--- a/english/course/Stanford Introduction to Food and Health.pptx
+++ b/english/course/Stanford Introduction to Food and Health.pptx
@@ -236,7 +236,7 @@
             <a:pPr rtl="0"/>
             <a:fld id="{197666EC-0835-4111-9243-D5E81A74652A}" type="datetime1">
               <a:rPr lang="ru-RU" smtClean="0"/>
-              <a:t>15.12.2022</a:t>
+              <a:t>19.12.2022</a:t>
             </a:fld>
             <a:endParaRPr lang="ru-RU" dirty="0"/>
           </a:p>
@@ -406,7 +406,7 @@
             <a:pPr rtl="0"/>
             <a:fld id="{263F3868-3638-4C23-AB1F-2FA7659B998E}" type="datetime1">
               <a:rPr lang="ru-RU" noProof="0" smtClean="0"/>
-              <a:t>15.12.2022</a:t>
+              <a:t>19.12.2022</a:t>
             </a:fld>
             <a:endParaRPr lang="ru-RU" noProof="0" dirty="0"/>
           </a:p>
@@ -1746,7 +1746,7 @@
             <a:pPr rtl="0"/>
             <a:fld id="{F1CB52E3-228D-4400-918B-EC1CC60E6928}" type="datetime1">
               <a:rPr lang="ru-RU" noProof="0" smtClean="0"/>
-              <a:t>15.12.2022</a:t>
+              <a:t>19.12.2022</a:t>
             </a:fld>
             <a:endParaRPr lang="ru-RU" noProof="0" dirty="0"/>
           </a:p>
@@ -1951,7 +1951,7 @@
             <a:pPr rtl="0"/>
             <a:fld id="{24BC8159-1FD8-42FC-970F-EA437E21EB75}" type="datetime1">
               <a:rPr lang="ru-RU" noProof="0" smtClean="0"/>
-              <a:t>15.12.2022</a:t>
+              <a:t>19.12.2022</a:t>
             </a:fld>
             <a:endParaRPr lang="ru-RU" noProof="0" dirty="0"/>
           </a:p>
@@ -2505,7 +2505,7 @@
             <a:pPr rtl="0"/>
             <a:fld id="{71164B92-40DF-447C-9EB2-E8F093ADEBD4}" type="datetime1">
               <a:rPr lang="ru-RU" noProof="0" smtClean="0"/>
-              <a:t>15.12.2022</a:t>
+              <a:t>19.12.2022</a:t>
             </a:fld>
             <a:endParaRPr lang="ru-RU" noProof="0" dirty="0"/>
           </a:p>
@@ -2710,7 +2710,7 @@
             <a:pPr rtl="0"/>
             <a:fld id="{A94A702C-8E64-40BD-8A51-C06C22C2F23A}" type="datetime1">
               <a:rPr lang="ru-RU" noProof="0" smtClean="0"/>
-              <a:t>15.12.2022</a:t>
+              <a:t>19.12.2022</a:t>
             </a:fld>
             <a:endParaRPr lang="ru-RU" noProof="0" dirty="0"/>
           </a:p>
@@ -3318,7 +3318,7 @@
             <a:pPr rtl="0"/>
             <a:fld id="{E6F899AA-DA4D-46BA-9834-BCB927DD4C15}" type="datetime1">
               <a:rPr lang="ru-RU" noProof="0" smtClean="0"/>
-              <a:t>15.12.2022</a:t>
+              <a:t>19.12.2022</a:t>
             </a:fld>
             <a:endParaRPr lang="ru-RU" noProof="0" dirty="0"/>
           </a:p>
@@ -3634,7 +3634,7 @@
             <a:pPr rtl="0"/>
             <a:fld id="{18A69E2C-A65E-42E3-A90C-E200494A08C5}" type="datetime1">
               <a:rPr lang="ru-RU" noProof="0" smtClean="0"/>
-              <a:t>15.12.2022</a:t>
+              <a:t>19.12.2022</a:t>
             </a:fld>
             <a:endParaRPr lang="ru-RU" noProof="0" dirty="0"/>
           </a:p>
@@ -4100,7 +4100,7 @@
             <a:pPr rtl="0"/>
             <a:fld id="{DE93C54A-9946-4A4B-A4C3-BDBD43A2E79F}" type="datetime1">
               <a:rPr lang="ru-RU" noProof="0" smtClean="0"/>
-              <a:t>15.12.2022</a:t>
+              <a:t>19.12.2022</a:t>
             </a:fld>
             <a:endParaRPr lang="ru-RU" noProof="0" dirty="0"/>
           </a:p>
@@ -4237,7 +4237,7 @@
             <a:pPr rtl="0"/>
             <a:fld id="{E43C5E81-34F8-40EA-A39B-866E39767BAA}" type="datetime1">
               <a:rPr lang="ru-RU" noProof="0" smtClean="0"/>
-              <a:t>15.12.2022</a:t>
+              <a:t>19.12.2022</a:t>
             </a:fld>
             <a:endParaRPr lang="ru-RU" noProof="0" dirty="0"/>
           </a:p>
@@ -4533,7 +4533,7 @@
             <a:pPr rtl="0"/>
             <a:fld id="{BB0AD6E4-82E2-48A6-B086-3DF3B0E1BE75}" type="datetime1">
               <a:rPr lang="ru-RU" smtClean="0"/>
-              <a:t>15.12.2022</a:t>
+              <a:t>19.12.2022</a:t>
             </a:fld>
             <a:endParaRPr/>
           </a:p>
@@ -4836,7 +4836,7 @@
             <a:pPr rtl="0"/>
             <a:fld id="{9C150A44-09C1-4A7E-9472-5C98206358FA}" type="datetime1">
               <a:rPr lang="ru-RU" noProof="0" smtClean="0"/>
-              <a:t>15.12.2022</a:t>
+              <a:t>19.12.2022</a:t>
             </a:fld>
             <a:endParaRPr lang="ru-RU" noProof="0" dirty="0"/>
           </a:p>
@@ -5125,7 +5125,7 @@
             <a:pPr rtl="0"/>
             <a:fld id="{44D49401-5020-4FE0-B4E2-643A8C022F9F}" type="datetime1">
               <a:rPr lang="ru-RU" noProof="0" smtClean="0"/>
-              <a:t>15.12.2022</a:t>
+              <a:t>19.12.2022</a:t>
             </a:fld>
             <a:endParaRPr lang="ru-RU" noProof="0" dirty="0"/>
           </a:p>
@@ -5708,7 +5708,7 @@
             <a:pPr rtl="0"/>
             <a:fld id="{30A586CD-6E88-434E-9F01-516BCC1F6524}" type="datetime1">
               <a:rPr lang="ru-RU" noProof="0" smtClean="0"/>
-              <a:t>15.12.2022</a:t>
+              <a:t>19.12.2022</a:t>
             </a:fld>
             <a:endParaRPr lang="ru-RU" noProof="0" dirty="0"/>
           </a:p>
@@ -6273,7 +6273,7 @@
         <p:spPr>
           <a:xfrm>
             <a:off x="1701924" y="1916832"/>
-            <a:ext cx="8496944" cy="1569660"/>
+            <a:ext cx="8496944" cy="2308324"/>
           </a:xfrm>
           <a:prstGeom prst="rect">
             <a:avLst/>
@@ -6314,6 +6314,29 @@
             <a:r>
               <a:rPr lang="en-US" dirty="0"/>
               <a:t>	+7(961)5025040</a:t>
+            </a:r>
+            <a:endParaRPr lang="ru-RU" dirty="0"/>
+          </a:p>
+          <a:p>
+            <a:r>
+              <a:rPr lang="en-US" dirty="0"/>
+              <a:t>Course</a:t>
+            </a:r>
+          </a:p>
+          <a:p>
+            <a:r>
+              <a:rPr lang="en-US" dirty="0"/>
+              <a:t>	</a:t>
+            </a:r>
+            <a:r>
+              <a:rPr lang="en-US" dirty="0">
+                <a:hlinkClick r:id="rId4"/>
+              </a:rPr>
+              <a:t>https://www.coursera.org/learn/food-and-health</a:t>
+            </a:r>
+            <a:r>
+              <a:rPr lang="en-US" dirty="0"/>
+              <a:t> </a:t>
             </a:r>
             <a:endParaRPr lang="ru-RU" dirty="0"/>
           </a:p>
@@ -8528,6 +8551,15 @@
 </file>
 
 <file path=customXml/item2.xml><?xml version="1.0" encoding="utf-8"?>
+<?mso-contentType ?>
+<FormTemplates xmlns="http://schemas.microsoft.com/sharepoint/v3/contenttype/forms">
+  <Display>DocumentLibraryForm</Display>
+  <Edit>DocumentLibraryForm</Edit>
+  <New>DocumentLibraryForm</New>
+</FormTemplates>
+</file>
+
+<file path=customXml/item3.xml><?xml version="1.0" encoding="utf-8"?>
 <p:properties xmlns:p="http://schemas.microsoft.com/office/2006/metadata/properties" xmlns:xsi="http://www.w3.org/2001/XMLSchema-instance" xmlns:pc="http://schemas.microsoft.com/office/infopath/2007/PartnerControls">
   <documentManagement>
     <VSO_x0020_item_x0020_id xmlns="40262f94-9f35-4ac3-9a90-690165a166b7" xsi:nil="true"/>
@@ -8536,15 +8568,6 @@
     <Template_x0020_details xmlns="40262f94-9f35-4ac3-9a90-690165a166b7" xsi:nil="true"/>
   </documentManagement>
 </p:properties>
-</file>
-
-<file path=customXml/item3.xml><?xml version="1.0" encoding="utf-8"?>
-<?mso-contentType ?>
-<FormTemplates xmlns="http://schemas.microsoft.com/sharepoint/v3/contenttype/forms">
-  <Display>DocumentLibraryForm</Display>
-  <Edit>DocumentLibraryForm</Edit>
-  <New>DocumentLibraryForm</New>
-</FormTemplates>
 </file>
 
 <file path=customXml/itemProps1.xml><?xml version="1.0" encoding="utf-8"?>
@@ -8567,6 +8590,14 @@
 </file>
 
 <file path=customXml/itemProps2.xml><?xml version="1.0" encoding="utf-8"?>
+<ds:datastoreItem xmlns:ds="http://schemas.openxmlformats.org/officeDocument/2006/customXml" ds:itemID="{308942AA-0721-4324-BC2C-A3CB43F24E71}">
+  <ds:schemaRefs>
+    <ds:schemaRef ds:uri="http://schemas.microsoft.com/sharepoint/v3/contenttype/forms"/>
+  </ds:schemaRefs>
+</ds:datastoreItem>
+</file>
+
+<file path=customXml/itemProps3.xml><?xml version="1.0" encoding="utf-8"?>
 <ds:datastoreItem xmlns:ds="http://schemas.openxmlformats.org/officeDocument/2006/customXml" ds:itemID="{5E700CCB-20BA-4760-AB9F-AC3B63ED32E0}">
   <ds:schemaRefs>
     <ds:schemaRef ds:uri="http://purl.org/dc/elements/1.1/"/>
@@ -8581,12 +8612,4 @@
     <ds:schemaRef ds:uri="http://purl.org/dc/dcmitype/"/>
   </ds:schemaRefs>
 </ds:datastoreItem>
-</file>
-
-<file path=customXml/itemProps3.xml><?xml version="1.0" encoding="utf-8"?>
-<ds:datastoreItem xmlns:ds="http://schemas.openxmlformats.org/officeDocument/2006/customXml" ds:itemID="{308942AA-0721-4324-BC2C-A3CB43F24E71}">
-  <ds:schemaRefs>
-    <ds:schemaRef ds:uri="http://schemas.microsoft.com/sharepoint/v3/contenttype/forms"/>
-  </ds:schemaRefs>
-</ds:datastoreItem>
 </file>